--- a/slide/2 What is Causal Inference.pptx
+++ b/slide/2 What is Causal Inference.pptx
@@ -142,7 +142,7 @@
 <file path=ppt/revisionInfo.xml><?xml version="1.0" encoding="utf-8"?>
 <p1510:revInfo xmlns:a="http://schemas.openxmlformats.org/drawingml/2006/main" xmlns:r="http://schemas.openxmlformats.org/officeDocument/2006/relationships" xmlns:p1510="http://schemas.microsoft.com/office/powerpoint/2015/10/main">
   <p1510:revLst>
-    <p1510:client id="{86B74B39-C12F-FA4C-890B-3F989BD4C503}" v="3" dt="2025-01-07T15:07:49.845"/>
+    <p1510:client id="{B6B82BEF-7BDC-A642-A412-9B78CC19E7BB}" v="4" dt="2026-01-06T02:58:06.462"/>
   </p1510:revLst>
 </p1510:revInfo>
 </file>
@@ -150,131 +150,32 @@
 <file path=ppt/changesInfos/changesInfo1.xml><?xml version="1.0" encoding="utf-8"?>
 <pc:chgInfo xmlns:a="http://schemas.openxmlformats.org/drawingml/2006/main" xmlns:r="http://schemas.openxmlformats.org/officeDocument/2006/relationships" xmlns:ac="http://schemas.microsoft.com/office/drawing/2013/main/command" xmlns:pc="http://schemas.microsoft.com/office/powerpoint/2013/main/command">
   <pc:docChgLst>
-    <pc:chgData name="Sebastian Vallejo Vera" userId="661f42ee-5565-49c4-8b1d-325f2d699b91" providerId="ADAL" clId="{86B74B39-C12F-FA4C-890B-3F989BD4C503}"/>
-    <pc:docChg chg="custSel addSld delSld modSld">
-      <pc:chgData name="Sebastian Vallejo Vera" userId="661f42ee-5565-49c4-8b1d-325f2d699b91" providerId="ADAL" clId="{86B74B39-C12F-FA4C-890B-3F989BD4C503}" dt="2025-01-07T15:07:31.323" v="14" actId="1076"/>
+    <pc:chgData name="Sebastian Vallejo Vera" userId="661f42ee-5565-49c4-8b1d-325f2d699b91" providerId="ADAL" clId="{A248EEF8-C29E-592E-8CA9-13334A969EB7}"/>
+    <pc:docChg chg="custSel modSld">
+      <pc:chgData name="Sebastian Vallejo Vera" userId="661f42ee-5565-49c4-8b1d-325f2d699b91" providerId="ADAL" clId="{A248EEF8-C29E-592E-8CA9-13334A969EB7}" dt="2026-01-06T02:58:06.456" v="4" actId="20577"/>
       <pc:docMkLst>
         <pc:docMk/>
       </pc:docMkLst>
-      <pc:sldChg chg="modSp mod">
-        <pc:chgData name="Sebastian Vallejo Vera" userId="661f42ee-5565-49c4-8b1d-325f2d699b91" providerId="ADAL" clId="{86B74B39-C12F-FA4C-890B-3F989BD4C503}" dt="2025-01-07T14:55:15.907" v="0"/>
-        <pc:sldMkLst>
-          <pc:docMk/>
-          <pc:sldMk cId="2486921990" sldId="260"/>
-        </pc:sldMkLst>
-        <pc:spChg chg="mod">
-          <ac:chgData name="Sebastian Vallejo Vera" userId="661f42ee-5565-49c4-8b1d-325f2d699b91" providerId="ADAL" clId="{86B74B39-C12F-FA4C-890B-3F989BD4C503}" dt="2025-01-07T14:55:15.907" v="0"/>
-          <ac:spMkLst>
-            <pc:docMk/>
-            <pc:sldMk cId="2486921990" sldId="260"/>
-            <ac:spMk id="3" creationId="{CE59366E-FC9F-1824-9C5D-4E66E7F6A0E4}"/>
-          </ac:spMkLst>
-        </pc:spChg>
-      </pc:sldChg>
-      <pc:sldChg chg="addSp delSp modSp new del mod modClrScheme chgLayout">
-        <pc:chgData name="Sebastian Vallejo Vera" userId="661f42ee-5565-49c4-8b1d-325f2d699b91" providerId="ADAL" clId="{86B74B39-C12F-FA4C-890B-3F989BD4C503}" dt="2025-01-07T14:56:47.445" v="4" actId="2696"/>
-        <pc:sldMkLst>
-          <pc:docMk/>
-          <pc:sldMk cId="1347075478" sldId="295"/>
-        </pc:sldMkLst>
-        <pc:spChg chg="del mod ord">
-          <ac:chgData name="Sebastian Vallejo Vera" userId="661f42ee-5565-49c4-8b1d-325f2d699b91" providerId="ADAL" clId="{86B74B39-C12F-FA4C-890B-3F989BD4C503}" dt="2025-01-07T14:55:58.019" v="2" actId="700"/>
-          <ac:spMkLst>
-            <pc:docMk/>
-            <pc:sldMk cId="1347075478" sldId="295"/>
-            <ac:spMk id="2" creationId="{94EC32BE-2F88-4DC8-6472-57BF9FAC1D60}"/>
-          </ac:spMkLst>
-        </pc:spChg>
-        <pc:spChg chg="add mod ord">
-          <ac:chgData name="Sebastian Vallejo Vera" userId="661f42ee-5565-49c4-8b1d-325f2d699b91" providerId="ADAL" clId="{86B74B39-C12F-FA4C-890B-3F989BD4C503}" dt="2025-01-07T14:55:58.019" v="2" actId="700"/>
-          <ac:spMkLst>
-            <pc:docMk/>
-            <pc:sldMk cId="1347075478" sldId="295"/>
-            <ac:spMk id="3" creationId="{881B9042-F6DE-56E2-E1F3-3C2A1AFAA114}"/>
-          </ac:spMkLst>
-        </pc:spChg>
-        <pc:spChg chg="add mod ord">
-          <ac:chgData name="Sebastian Vallejo Vera" userId="661f42ee-5565-49c4-8b1d-325f2d699b91" providerId="ADAL" clId="{86B74B39-C12F-FA4C-890B-3F989BD4C503}" dt="2025-01-07T14:55:58.019" v="2" actId="700"/>
-          <ac:spMkLst>
-            <pc:docMk/>
-            <pc:sldMk cId="1347075478" sldId="295"/>
-            <ac:spMk id="4" creationId="{59B53FFF-FD5D-D50F-AA6A-A9412A471072}"/>
-          </ac:spMkLst>
-        </pc:spChg>
-      </pc:sldChg>
-      <pc:sldChg chg="add">
-        <pc:chgData name="Sebastian Vallejo Vera" userId="661f42ee-5565-49c4-8b1d-325f2d699b91" providerId="ADAL" clId="{86B74B39-C12F-FA4C-890B-3F989BD4C503}" dt="2025-01-07T14:56:41.290" v="3"/>
-        <pc:sldMkLst>
-          <pc:docMk/>
-          <pc:sldMk cId="3710451041" sldId="296"/>
-        </pc:sldMkLst>
-      </pc:sldChg>
-      <pc:sldChg chg="delSp new del mod chgLayout">
-        <pc:chgData name="Sebastian Vallejo Vera" userId="661f42ee-5565-49c4-8b1d-325f2d699b91" providerId="ADAL" clId="{86B74B39-C12F-FA4C-890B-3F989BD4C503}" dt="2025-01-07T15:02:57.046" v="7" actId="2696"/>
-        <pc:sldMkLst>
-          <pc:docMk/>
-          <pc:sldMk cId="1005401837" sldId="297"/>
-        </pc:sldMkLst>
-        <pc:spChg chg="del">
-          <ac:chgData name="Sebastian Vallejo Vera" userId="661f42ee-5565-49c4-8b1d-325f2d699b91" providerId="ADAL" clId="{86B74B39-C12F-FA4C-890B-3F989BD4C503}" dt="2025-01-07T15:02:03.979" v="6" actId="700"/>
-          <ac:spMkLst>
-            <pc:docMk/>
-            <pc:sldMk cId="1005401837" sldId="297"/>
-            <ac:spMk id="2" creationId="{47452B67-A39D-4AD0-5261-E7258FDAD2B2}"/>
-          </ac:spMkLst>
-        </pc:spChg>
-        <pc:spChg chg="del">
-          <ac:chgData name="Sebastian Vallejo Vera" userId="661f42ee-5565-49c4-8b1d-325f2d699b91" providerId="ADAL" clId="{86B74B39-C12F-FA4C-890B-3F989BD4C503}" dt="2025-01-07T15:02:03.979" v="6" actId="700"/>
-          <ac:spMkLst>
-            <pc:docMk/>
-            <pc:sldMk cId="1005401837" sldId="297"/>
-            <ac:spMk id="3" creationId="{7ACBE674-30A2-B71E-48B6-97D70690D4A6}"/>
-          </ac:spMkLst>
-        </pc:spChg>
-      </pc:sldChg>
-      <pc:sldChg chg="addSp modSp new mod">
-        <pc:chgData name="Sebastian Vallejo Vera" userId="661f42ee-5565-49c4-8b1d-325f2d699b91" providerId="ADAL" clId="{86B74B39-C12F-FA4C-890B-3F989BD4C503}" dt="2025-01-07T15:07:31.323" v="14" actId="1076"/>
+      <pc:sldChg chg="addSp delSp modSp mod">
+        <pc:chgData name="Sebastian Vallejo Vera" userId="661f42ee-5565-49c4-8b1d-325f2d699b91" providerId="ADAL" clId="{A248EEF8-C29E-592E-8CA9-13334A969EB7}" dt="2026-01-06T02:58:06.456" v="4" actId="20577"/>
         <pc:sldMkLst>
           <pc:docMk/>
           <pc:sldMk cId="3922211887" sldId="297"/>
         </pc:sldMkLst>
-        <pc:spChg chg="add mod">
-          <ac:chgData name="Sebastian Vallejo Vera" userId="661f42ee-5565-49c4-8b1d-325f2d699b91" providerId="ADAL" clId="{86B74B39-C12F-FA4C-890B-3F989BD4C503}" dt="2025-01-07T15:07:31.323" v="14" actId="1076"/>
+        <pc:spChg chg="mod">
+          <ac:chgData name="Sebastian Vallejo Vera" userId="661f42ee-5565-49c4-8b1d-325f2d699b91" providerId="ADAL" clId="{A248EEF8-C29E-592E-8CA9-13334A969EB7}" dt="2026-01-06T02:58:06.456" v="4" actId="20577"/>
           <ac:spMkLst>
             <pc:docMk/>
             <pc:sldMk cId="3922211887" sldId="297"/>
             <ac:spMk id="2" creationId="{A6493AC8-AF33-ADF9-F4EF-43A082795E27}"/>
           </ac:spMkLst>
         </pc:spChg>
-      </pc:sldChg>
-    </pc:docChg>
-  </pc:docChgLst>
-  <pc:docChgLst>
-    <pc:chgData name="Sebastian Vallejo Vera" userId="661f42ee-5565-49c4-8b1d-325f2d699b91" providerId="ADAL" clId="{A8E2D9A1-5E30-554C-89B7-123B1D0477F2}"/>
-    <pc:docChg chg="modSld">
-      <pc:chgData name="Sebastian Vallejo Vera" userId="661f42ee-5565-49c4-8b1d-325f2d699b91" providerId="ADAL" clId="{A8E2D9A1-5E30-554C-89B7-123B1D0477F2}" dt="2025-01-03T20:33:33.233" v="3" actId="113"/>
-      <pc:docMkLst>
-        <pc:docMk/>
-      </pc:docMkLst>
-      <pc:sldChg chg="modAnim">
-        <pc:chgData name="Sebastian Vallejo Vera" userId="661f42ee-5565-49c4-8b1d-325f2d699b91" providerId="ADAL" clId="{A8E2D9A1-5E30-554C-89B7-123B1D0477F2}" dt="2025-01-03T20:32:17.897" v="0"/>
-        <pc:sldMkLst>
-          <pc:docMk/>
-          <pc:sldMk cId="3040058272" sldId="261"/>
-        </pc:sldMkLst>
-      </pc:sldChg>
-      <pc:sldChg chg="modSp">
-        <pc:chgData name="Sebastian Vallejo Vera" userId="661f42ee-5565-49c4-8b1d-325f2d699b91" providerId="ADAL" clId="{A8E2D9A1-5E30-554C-89B7-123B1D0477F2}" dt="2025-01-03T20:33:33.233" v="3" actId="113"/>
-        <pc:sldMkLst>
-          <pc:docMk/>
-          <pc:sldMk cId="3522231167" sldId="286"/>
-        </pc:sldMkLst>
-        <pc:spChg chg="mod">
-          <ac:chgData name="Sebastian Vallejo Vera" userId="661f42ee-5565-49c4-8b1d-325f2d699b91" providerId="ADAL" clId="{A8E2D9A1-5E30-554C-89B7-123B1D0477F2}" dt="2025-01-03T20:33:33.233" v="3" actId="113"/>
+        <pc:spChg chg="add del mod">
+          <ac:chgData name="Sebastian Vallejo Vera" userId="661f42ee-5565-49c4-8b1d-325f2d699b91" providerId="ADAL" clId="{A248EEF8-C29E-592E-8CA9-13334A969EB7}" dt="2026-01-06T02:58:00.578" v="2" actId="478"/>
           <ac:spMkLst>
             <pc:docMk/>
-            <pc:sldMk cId="3522231167" sldId="286"/>
-            <ac:spMk id="3" creationId="{C753BDA9-6C42-163F-EF07-9F91311E8339}"/>
+            <pc:sldMk cId="3922211887" sldId="297"/>
+            <ac:spMk id="3" creationId="{B661AF0E-6410-D8AB-32E6-80DD943D7F16}"/>
           </ac:spMkLst>
         </pc:spChg>
       </pc:sldChg>
@@ -7704,6 +7605,13 @@
             <a:tailEnd/>
           </a:ln>
         </p:spPr>
+        <p:txBody>
+          <a:bodyPr/>
+          <a:lstStyle/>
+          <a:p>
+            <a:endParaRPr lang="en-US"/>
+          </a:p>
+        </p:txBody>
       </p:sp>
       <p:sp>
         <p:nvSpPr>
@@ -7845,7 +7753,7 @@
           <a:p>
             <a:fld id="{E0331530-EE43-0F41-A018-2ADC4AD8D09C}" type="datetimeFigureOut">
               <a:rPr lang="en-US" smtClean="0"/>
-              <a:t>1/7/25</a:t>
+              <a:t>1/5/26</a:t>
             </a:fld>
             <a:endParaRPr lang="en-US"/>
           </a:p>
@@ -7960,6 +7868,13 @@
             <a:schemeClr val="lt1"/>
           </a:fontRef>
         </p:style>
+        <p:txBody>
+          <a:bodyPr/>
+          <a:lstStyle/>
+          <a:p>
+            <a:endParaRPr lang="en-US"/>
+          </a:p>
+        </p:txBody>
       </p:sp>
     </p:spTree>
     <p:extLst>
@@ -8083,7 +7998,7 @@
           <a:p>
             <a:fld id="{E0331530-EE43-0F41-A018-2ADC4AD8D09C}" type="datetimeFigureOut">
               <a:rPr lang="en-US" smtClean="0"/>
-              <a:t>1/7/25</a:t>
+              <a:t>1/5/26</a:t>
             </a:fld>
             <a:endParaRPr lang="en-US"/>
           </a:p>
@@ -8263,7 +8178,7 @@
           <a:p>
             <a:fld id="{E0331530-EE43-0F41-A018-2ADC4AD8D09C}" type="datetimeFigureOut">
               <a:rPr lang="en-US" smtClean="0"/>
-              <a:t>1/7/25</a:t>
+              <a:t>1/5/26</a:t>
             </a:fld>
             <a:endParaRPr lang="en-US"/>
           </a:p>
@@ -8433,7 +8348,7 @@
           <a:p>
             <a:fld id="{E0331530-EE43-0F41-A018-2ADC4AD8D09C}" type="datetimeFigureOut">
               <a:rPr lang="en-US" smtClean="0"/>
-              <a:t>1/7/25</a:t>
+              <a:t>1/5/26</a:t>
             </a:fld>
             <a:endParaRPr lang="en-US"/>
           </a:p>
@@ -8709,7 +8624,7 @@
           <a:p>
             <a:fld id="{E0331530-EE43-0F41-A018-2ADC4AD8D09C}" type="datetimeFigureOut">
               <a:rPr lang="en-US" smtClean="0"/>
-              <a:t>1/7/25</a:t>
+              <a:t>1/5/26</a:t>
             </a:fld>
             <a:endParaRPr lang="en-US"/>
           </a:p>
@@ -9910,7 +9825,7 @@
           <a:p>
             <a:fld id="{E0331530-EE43-0F41-A018-2ADC4AD8D09C}" type="datetimeFigureOut">
               <a:rPr lang="en-US" smtClean="0"/>
-              <a:t>1/7/25</a:t>
+              <a:t>1/5/26</a:t>
             </a:fld>
             <a:endParaRPr lang="en-US"/>
           </a:p>
@@ -10300,7 +10215,7 @@
           <a:p>
             <a:fld id="{E0331530-EE43-0F41-A018-2ADC4AD8D09C}" type="datetimeFigureOut">
               <a:rPr lang="en-US" smtClean="0"/>
-              <a:t>1/7/25</a:t>
+              <a:t>1/5/26</a:t>
             </a:fld>
             <a:endParaRPr lang="en-US"/>
           </a:p>
@@ -10423,7 +10338,7 @@
           <a:p>
             <a:fld id="{E0331530-EE43-0F41-A018-2ADC4AD8D09C}" type="datetimeFigureOut">
               <a:rPr lang="en-US" smtClean="0"/>
-              <a:t>1/7/25</a:t>
+              <a:t>1/5/26</a:t>
             </a:fld>
             <a:endParaRPr lang="en-US"/>
           </a:p>
@@ -10518,7 +10433,7 @@
           <a:p>
             <a:fld id="{E0331530-EE43-0F41-A018-2ADC4AD8D09C}" type="datetimeFigureOut">
               <a:rPr lang="en-US" smtClean="0"/>
-              <a:t>1/7/25</a:t>
+              <a:t>1/5/26</a:t>
             </a:fld>
             <a:endParaRPr lang="en-US"/>
           </a:p>
@@ -11281,7 +11196,7 @@
           <a:p>
             <a:fld id="{E0331530-EE43-0F41-A018-2ADC4AD8D09C}" type="datetimeFigureOut">
               <a:rPr lang="en-US" smtClean="0"/>
-              <a:t>1/7/25</a:t>
+              <a:t>1/5/26</a:t>
             </a:fld>
             <a:endParaRPr lang="en-US"/>
           </a:p>
@@ -12121,7 +12036,7 @@
           <a:p>
             <a:fld id="{E0331530-EE43-0F41-A018-2ADC4AD8D09C}" type="datetimeFigureOut">
               <a:rPr lang="en-US" smtClean="0"/>
-              <a:t>1/7/25</a:t>
+              <a:t>1/5/26</a:t>
             </a:fld>
             <a:endParaRPr lang="en-US"/>
           </a:p>
@@ -12348,7 +12263,7 @@
           <a:p>
             <a:fld id="{E0331530-EE43-0F41-A018-2ADC4AD8D09C}" type="datetimeFigureOut">
               <a:rPr lang="en-US" smtClean="0"/>
-              <a:t>1/7/25</a:t>
+              <a:t>1/5/26</a:t>
             </a:fld>
             <a:endParaRPr lang="en-US"/>
           </a:p>
@@ -12897,6 +12812,13 @@
             <a:tailEnd/>
           </a:ln>
         </p:spPr>
+        <p:txBody>
+          <a:bodyPr/>
+          <a:lstStyle/>
+          <a:p>
+            <a:endParaRPr lang="en-US"/>
+          </a:p>
+        </p:txBody>
       </p:sp>
       <p:sp>
         <p:nvSpPr>
@@ -12935,6 +12857,13 @@
             <a:schemeClr val="lt1"/>
           </a:fontRef>
         </p:style>
+        <p:txBody>
+          <a:bodyPr/>
+          <a:lstStyle/>
+          <a:p>
+            <a:endParaRPr lang="en-US"/>
+          </a:p>
+        </p:txBody>
       </p:sp>
     </p:spTree>
     <p:extLst>
@@ -18082,33 +18011,12 @@
               <a:rPr lang="en-US" dirty="0">
                 <a:hlinkClick r:id="rId2"/>
               </a:rPr>
-              <a:t>https://</a:t>
+              <a:t>https://www.youtube.com/watch?v=iZxCjkLS6Mw</a:t>
             </a:r>
             <a:r>
-              <a:rPr lang="en-US" dirty="0" err="1">
-                <a:hlinkClick r:id="rId2"/>
-              </a:rPr>
-              <a:t>www.youtube.com</a:t>
+              <a:rPr lang="en-US" dirty="0"/>
+              <a:t> </a:t>
             </a:r>
-            <a:r>
-              <a:rPr lang="en-US" dirty="0">
-                <a:hlinkClick r:id="rId2"/>
-              </a:rPr>
-              <a:t>/</a:t>
-            </a:r>
-            <a:r>
-              <a:rPr lang="en-US" dirty="0" err="1">
-                <a:hlinkClick r:id="rId2"/>
-              </a:rPr>
-              <a:t>watch?v</a:t>
-            </a:r>
-            <a:r>
-              <a:rPr lang="en-US" dirty="0">
-                <a:hlinkClick r:id="rId2"/>
-              </a:rPr>
-              <a:t>=iZxCjkLS6Mw</a:t>
-            </a:r>
-            <a:endParaRPr lang="en-US" dirty="0"/>
           </a:p>
         </p:txBody>
       </p:sp>
